--- a/Prognose von Immobilienpreisen.pptx
+++ b/Prognose von Immobilienpreisen.pptx
@@ -17,8 +17,8 @@
     <p:sldId id="263" r:id="rId5"/>
     <p:sldId id="264" r:id="rId6"/>
     <p:sldId id="265" r:id="rId7"/>
-    <p:sldId id="266" r:id="rId8"/>
-    <p:sldId id="267" r:id="rId9"/>
+    <p:sldId id="267" r:id="rId8"/>
+    <p:sldId id="266" r:id="rId9"/>
   </p:sldIdLst>
   <p:sldSz cx="12192000" cy="6858000"/>
   <p:notesSz cx="6858000" cy="9144000"/>
@@ -144,8 +144,8 @@
         </p14:section>
         <p14:section name="Deployment" id="{80E4B35F-106A-4D4B-85A9-EFCF5971A6E1}">
           <p14:sldIdLst>
+            <p14:sldId id="267"/>
             <p14:sldId id="266"/>
-            <p14:sldId id="267"/>
           </p14:sldIdLst>
         </p14:section>
       </p14:sectionLst>
@@ -7192,12 +7192,178 @@
           <a:chExt cx="0" cy="0"/>
         </a:xfrm>
       </p:grpSpPr>
+      <p:pic>
+        <p:nvPicPr>
+          <p:cNvPr id="8" name="Inhaltsplatzhalter 7" descr="Ein Bild, das Text enthält.&#10;&#10;Automatisch generierte Beschreibung">
+            <a:extLst>
+              <a:ext uri="{FF2B5EF4-FFF2-40B4-BE49-F238E27FC236}">
+                <a16:creationId xmlns:a16="http://schemas.microsoft.com/office/drawing/2014/main" id="{BA01915A-840A-45D3-A03F-49704A61B38D}"/>
+              </a:ext>
+            </a:extLst>
+          </p:cNvPr>
+          <p:cNvPicPr>
+            <a:picLocks noGrp="1" noChangeAspect="1"/>
+          </p:cNvPicPr>
+          <p:nvPr>
+            <p:ph type="pic" idx="1"/>
+          </p:nvPr>
+        </p:nvPicPr>
+        <p:blipFill rotWithShape="1">
+          <a:blip r:embed="rId2">
+            <a:extLst>
+              <a:ext uri="{28A0092B-C50C-407E-A947-70E740481C1C}">
+                <a14:useLocalDpi xmlns:a14="http://schemas.microsoft.com/office/drawing/2010/main" val="0"/>
+              </a:ext>
+            </a:extLst>
+          </a:blip>
+          <a:stretch/>
+        </p:blipFill>
+        <p:spPr>
+          <a:xfrm>
+            <a:off x="228599" y="1264443"/>
+            <a:ext cx="7696201" cy="4329113"/>
+          </a:xfrm>
+          <a:noFill/>
+        </p:spPr>
+      </p:pic>
+      <p:sp>
+        <p:nvSpPr>
+          <p:cNvPr id="4" name="Datumsplatzhalter 3">
+            <a:extLst>
+              <a:ext uri="{FF2B5EF4-FFF2-40B4-BE49-F238E27FC236}">
+                <a16:creationId xmlns:a16="http://schemas.microsoft.com/office/drawing/2014/main" id="{3CFFA8D1-1494-4F11-89B3-3D4AC4734D1E}"/>
+              </a:ext>
+            </a:extLst>
+          </p:cNvPr>
+          <p:cNvSpPr>
+            <a:spLocks noGrp="1"/>
+          </p:cNvSpPr>
+          <p:nvPr>
+            <p:ph type="dt" sz="half" idx="10"/>
+          </p:nvPr>
+        </p:nvSpPr>
+        <p:spPr>
+          <a:xfrm>
+            <a:off x="5662337" y="6035040"/>
+            <a:ext cx="2071963" cy="365760"/>
+          </a:xfrm>
+        </p:spPr>
+        <p:txBody>
+          <a:bodyPr anchor="b">
+            <a:normAutofit/>
+          </a:bodyPr>
+          <a:lstStyle/>
+          <a:p>
+            <a:pPr rtl="0">
+              <a:spcAft>
+                <a:spcPts val="600"/>
+              </a:spcAft>
+            </a:pPr>
+            <a:fld id="{F0441480-8949-4462-8E81-D7E26CBBDF2A}" type="datetime1">
+              <a:rPr lang="de-DE" smtClean="0"/>
+              <a:pPr rtl="0">
+                <a:spcAft>
+                  <a:spcPts val="600"/>
+                </a:spcAft>
+              </a:pPr>
+              <a:t>30.11.2020</a:t>
+            </a:fld>
+            <a:endParaRPr lang="en-US"/>
+          </a:p>
+        </p:txBody>
+      </p:sp>
+      <p:sp>
+        <p:nvSpPr>
+          <p:cNvPr id="5" name="Fußzeilenplatzhalter 4">
+            <a:extLst>
+              <a:ext uri="{FF2B5EF4-FFF2-40B4-BE49-F238E27FC236}">
+                <a16:creationId xmlns:a16="http://schemas.microsoft.com/office/drawing/2014/main" id="{E0CD84E8-8D5A-48B1-BDD8-17C5C446C5CF}"/>
+              </a:ext>
+            </a:extLst>
+          </p:cNvPr>
+          <p:cNvSpPr>
+            <a:spLocks noGrp="1"/>
+          </p:cNvSpPr>
+          <p:nvPr>
+            <p:ph type="ftr" sz="quarter" idx="11"/>
+          </p:nvPr>
+        </p:nvSpPr>
+        <p:spPr>
+          <a:xfrm>
+            <a:off x="612648" y="6035040"/>
+            <a:ext cx="4588002" cy="365760"/>
+          </a:xfrm>
+        </p:spPr>
+        <p:txBody>
+          <a:bodyPr anchor="b">
+            <a:normAutofit/>
+          </a:bodyPr>
+          <a:lstStyle/>
+          <a:p>
+            <a:pPr algn="l" rtl="0">
+              <a:spcAft>
+                <a:spcPts val="600"/>
+              </a:spcAft>
+            </a:pPr>
+            <a:r>
+              <a:rPr lang="en-US"/>
+              <a:t>Mtr.-Nr. 7283191 &amp; 8810048</a:t>
+            </a:r>
+          </a:p>
+        </p:txBody>
+      </p:sp>
+      <p:sp>
+        <p:nvSpPr>
+          <p:cNvPr id="6" name="Foliennummernplatzhalter 5">
+            <a:extLst>
+              <a:ext uri="{FF2B5EF4-FFF2-40B4-BE49-F238E27FC236}">
+                <a16:creationId xmlns:a16="http://schemas.microsoft.com/office/drawing/2014/main" id="{467B2ADB-7461-4967-B05D-4AD4EA149197}"/>
+              </a:ext>
+            </a:extLst>
+          </p:cNvPr>
+          <p:cNvSpPr>
+            <a:spLocks noGrp="1"/>
+          </p:cNvSpPr>
+          <p:nvPr>
+            <p:ph type="sldNum" sz="quarter" idx="12"/>
+          </p:nvPr>
+        </p:nvSpPr>
+        <p:spPr>
+          <a:xfrm>
+            <a:off x="10396728" y="6035040"/>
+            <a:ext cx="1225296" cy="365760"/>
+          </a:xfrm>
+        </p:spPr>
+        <p:txBody>
+          <a:bodyPr anchor="b">
+            <a:normAutofit/>
+          </a:bodyPr>
+          <a:lstStyle/>
+          <a:p>
+            <a:pPr rtl="0">
+              <a:spcAft>
+                <a:spcPts val="600"/>
+              </a:spcAft>
+            </a:pPr>
+            <a:fld id="{34B7E4EF-A1BD-40F4-AB7B-04F084DD991D}" type="slidenum">
+              <a:rPr lang="en-US" smtClean="0"/>
+              <a:pPr rtl="0">
+                <a:spcAft>
+                  <a:spcPts val="600"/>
+                </a:spcAft>
+              </a:pPr>
+              <a:t>7</a:t>
+            </a:fld>
+            <a:endParaRPr lang="en-US"/>
+          </a:p>
+        </p:txBody>
+      </p:sp>
       <p:sp>
         <p:nvSpPr>
           <p:cNvPr id="2" name="Titel 1">
             <a:extLst>
               <a:ext uri="{FF2B5EF4-FFF2-40B4-BE49-F238E27FC236}">
-                <a16:creationId xmlns:a16="http://schemas.microsoft.com/office/drawing/2014/main" id="{74338AA6-1D8E-454A-94C2-A798BB24A736}"/>
+                <a16:creationId xmlns:a16="http://schemas.microsoft.com/office/drawing/2014/main" id="{A39B4587-005F-4C45-852E-1CCE19484C30}"/>
               </a:ext>
             </a:extLst>
           </p:cNvPr>
@@ -7208,24 +7374,31 @@
             <p:ph type="title"/>
           </p:nvPr>
         </p:nvSpPr>
-        <p:spPr/>
-        <p:txBody>
-          <a:bodyPr/>
+        <p:spPr>
+          <a:xfrm>
+            <a:off x="8477250" y="603504"/>
+            <a:ext cx="3187212" cy="1645920"/>
+          </a:xfrm>
+        </p:spPr>
+        <p:txBody>
+          <a:bodyPr anchor="b">
+            <a:normAutofit/>
+          </a:bodyPr>
           <a:lstStyle/>
           <a:p>
             <a:r>
               <a:rPr lang="de-DE" dirty="0"/>
-              <a:t>Nutzung</a:t>
-            </a:r>
-          </a:p>
-        </p:txBody>
-      </p:sp>
-      <p:sp>
-        <p:nvSpPr>
-          <p:cNvPr id="3" name="Inhaltsplatzhalter 2">
+              <a:t>Vielen Dank für eure Aufmerksamkeit</a:t>
+            </a:r>
+          </a:p>
+        </p:txBody>
+      </p:sp>
+      <p:sp>
+        <p:nvSpPr>
+          <p:cNvPr id="13" name="Text Placeholder 6">
             <a:extLst>
               <a:ext uri="{FF2B5EF4-FFF2-40B4-BE49-F238E27FC236}">
-                <a16:creationId xmlns:a16="http://schemas.microsoft.com/office/drawing/2014/main" id="{D0302480-3059-4914-A8DB-A3DECF72D0D2}"/>
+                <a16:creationId xmlns:a16="http://schemas.microsoft.com/office/drawing/2014/main" id="{C2D366FB-D280-4013-B680-52D6AEE56A08}"/>
               </a:ext>
             </a:extLst>
           </p:cNvPr>
@@ -7233,548 +7406,27 @@
             <a:spLocks noGrp="1"/>
           </p:cNvSpPr>
           <p:nvPr>
-            <p:ph idx="1"/>
-          </p:nvPr>
-        </p:nvSpPr>
-        <p:spPr/>
+            <p:ph type="body" sz="half" idx="2"/>
+          </p:nvPr>
+        </p:nvSpPr>
+        <p:spPr>
+          <a:xfrm>
+            <a:off x="8477250" y="2386584"/>
+            <a:ext cx="3144774" cy="3511296"/>
+          </a:xfrm>
+        </p:spPr>
         <p:txBody>
           <a:bodyPr/>
           <a:lstStyle/>
           <a:p>
-            <a:endParaRPr lang="de-DE" dirty="0"/>
-          </a:p>
-        </p:txBody>
-      </p:sp>
-      <p:sp>
-        <p:nvSpPr>
-          <p:cNvPr id="4" name="Datumsplatzhalter 3">
-            <a:extLst>
-              <a:ext uri="{FF2B5EF4-FFF2-40B4-BE49-F238E27FC236}">
-                <a16:creationId xmlns:a16="http://schemas.microsoft.com/office/drawing/2014/main" id="{89941E0D-C0AD-4E1B-B6EC-31753E357A88}"/>
-              </a:ext>
-            </a:extLst>
-          </p:cNvPr>
-          <p:cNvSpPr>
-            <a:spLocks noGrp="1"/>
-          </p:cNvSpPr>
-          <p:nvPr>
-            <p:ph type="dt" sz="half" idx="10"/>
-          </p:nvPr>
-        </p:nvSpPr>
-        <p:spPr/>
-        <p:txBody>
-          <a:bodyPr/>
-          <a:lstStyle/>
-          <a:p>
-            <a:pPr rtl="0"/>
-            <a:fld id="{F0441480-8949-4462-8E81-D7E26CBBDF2A}" type="datetime1">
-              <a:rPr lang="de-DE" smtClean="0"/>
-              <a:t>30.11.2020</a:t>
-            </a:fld>
             <a:endParaRPr lang="en-US"/>
-          </a:p>
-        </p:txBody>
-      </p:sp>
-      <p:sp>
-        <p:nvSpPr>
-          <p:cNvPr id="5" name="Fußzeilenplatzhalter 4">
-            <a:extLst>
-              <a:ext uri="{FF2B5EF4-FFF2-40B4-BE49-F238E27FC236}">
-                <a16:creationId xmlns:a16="http://schemas.microsoft.com/office/drawing/2014/main" id="{4BD9B6FA-4AFE-496A-9DD2-3AB859CD3B8E}"/>
-              </a:ext>
-            </a:extLst>
-          </p:cNvPr>
-          <p:cNvSpPr>
-            <a:spLocks noGrp="1"/>
-          </p:cNvSpPr>
-          <p:nvPr>
-            <p:ph type="ftr" sz="quarter" idx="11"/>
-          </p:nvPr>
-        </p:nvSpPr>
-        <p:spPr/>
-        <p:txBody>
-          <a:bodyPr/>
-          <a:lstStyle/>
-          <a:p>
-            <a:pPr rtl="0"/>
-            <a:r>
-              <a:rPr lang="en-US"/>
-              <a:t>Mtr.-Nr. 7283191 &amp; 8810048</a:t>
-            </a:r>
-          </a:p>
-        </p:txBody>
-      </p:sp>
-      <p:sp>
-        <p:nvSpPr>
-          <p:cNvPr id="6" name="Foliennummernplatzhalter 5">
-            <a:extLst>
-              <a:ext uri="{FF2B5EF4-FFF2-40B4-BE49-F238E27FC236}">
-                <a16:creationId xmlns:a16="http://schemas.microsoft.com/office/drawing/2014/main" id="{CCC9B933-6F65-46F8-AFCB-796489446274}"/>
-              </a:ext>
-            </a:extLst>
-          </p:cNvPr>
-          <p:cNvSpPr>
-            <a:spLocks noGrp="1"/>
-          </p:cNvSpPr>
-          <p:nvPr>
-            <p:ph type="sldNum" sz="quarter" idx="12"/>
-          </p:nvPr>
-        </p:nvSpPr>
-        <p:spPr/>
-        <p:txBody>
-          <a:bodyPr/>
-          <a:lstStyle/>
-          <a:p>
-            <a:pPr rtl="0"/>
-            <a:fld id="{34B7E4EF-A1BD-40F4-AB7B-04F084DD991D}" type="slidenum">
-              <a:rPr lang="en-US" smtClean="0"/>
-              <a:t>7</a:t>
-            </a:fld>
-            <a:endParaRPr lang="en-US"/>
-          </a:p>
-        </p:txBody>
-      </p:sp>
-      <p:sp>
-        <p:nvSpPr>
-          <p:cNvPr id="7" name="Rechteck 6">
-            <a:extLst>
-              <a:ext uri="{FF2B5EF4-FFF2-40B4-BE49-F238E27FC236}">
-                <a16:creationId xmlns:a16="http://schemas.microsoft.com/office/drawing/2014/main" id="{218D6F94-0697-45FB-8480-28A0CE13C95F}"/>
-              </a:ext>
-            </a:extLst>
-          </p:cNvPr>
-          <p:cNvSpPr/>
-          <p:nvPr/>
-        </p:nvSpPr>
-        <p:spPr>
-          <a:xfrm>
-            <a:off x="1175657" y="2413338"/>
-            <a:ext cx="9866812" cy="3416320"/>
-          </a:xfrm>
-          <a:prstGeom prst="rect">
-            <a:avLst/>
-          </a:prstGeom>
-        </p:spPr>
-        <p:txBody>
-          <a:bodyPr wrap="square">
-            <a:spAutoFit/>
-          </a:bodyPr>
-          <a:lstStyle/>
-          <a:p>
-            <a:r>
-              <a:rPr lang="de-DE" dirty="0">
-                <a:solidFill>
-                  <a:srgbClr val="6A9955"/>
-                </a:solidFill>
-                <a:latin typeface="Consolas" panose="020B0609020204030204" pitchFamily="49" charset="0"/>
-              </a:rPr>
-              <a:t>Grundstück in Qm, Wohnfläche in Qm, Zustand, Küche, Klimaanlage, Gebaut, Garagenkapazität, Heizungsqualität, Räume</a:t>
-            </a:r>
-          </a:p>
-          <a:p>
-            <a:endParaRPr lang="de-DE" dirty="0">
-              <a:solidFill>
-                <a:srgbClr val="000000"/>
-              </a:solidFill>
-              <a:latin typeface="Consolas" panose="020B0609020204030204" pitchFamily="49" charset="0"/>
-            </a:endParaRPr>
-          </a:p>
-          <a:p>
-            <a:endParaRPr lang="de-DE" dirty="0">
-              <a:solidFill>
-                <a:srgbClr val="000000"/>
-              </a:solidFill>
-              <a:latin typeface="Consolas" panose="020B0609020204030204" pitchFamily="49" charset="0"/>
-            </a:endParaRPr>
-          </a:p>
-          <a:p>
-            <a:r>
-              <a:rPr lang="de-DE" dirty="0">
-                <a:solidFill>
-                  <a:srgbClr val="6A9955"/>
-                </a:solidFill>
-                <a:latin typeface="Consolas" panose="020B0609020204030204" pitchFamily="49" charset="0"/>
-              </a:rPr>
-              <a:t>Ist-Preis vs. Preis nach Renovation</a:t>
-            </a:r>
-            <a:endParaRPr lang="de-DE" dirty="0">
-              <a:solidFill>
-                <a:srgbClr val="000000"/>
-              </a:solidFill>
-              <a:latin typeface="Consolas" panose="020B0609020204030204" pitchFamily="49" charset="0"/>
-            </a:endParaRPr>
-          </a:p>
-          <a:p>
-            <a:endParaRPr lang="de-DE" dirty="0">
-              <a:solidFill>
-                <a:srgbClr val="000000"/>
-              </a:solidFill>
-              <a:latin typeface="Consolas" panose="020B0609020204030204" pitchFamily="49" charset="0"/>
-            </a:endParaRPr>
-          </a:p>
-          <a:p>
-            <a:r>
-              <a:rPr lang="de-DE" dirty="0">
-                <a:solidFill>
-                  <a:srgbClr val="000000"/>
-                </a:solidFill>
-                <a:latin typeface="Consolas" panose="020B0609020204030204" pitchFamily="49" charset="0"/>
-              </a:rPr>
-              <a:t>daten </a:t>
-            </a:r>
-            <a:r>
-              <a:rPr lang="de-DE" dirty="0">
-                <a:solidFill>
-                  <a:srgbClr val="D4D4D4"/>
-                </a:solidFill>
-                <a:latin typeface="Consolas" panose="020B0609020204030204" pitchFamily="49" charset="0"/>
-              </a:rPr>
-              <a:t>=</a:t>
-            </a:r>
-            <a:r>
-              <a:rPr lang="de-DE" dirty="0">
-                <a:solidFill>
-                  <a:srgbClr val="000000"/>
-                </a:solidFill>
-                <a:latin typeface="Consolas" panose="020B0609020204030204" pitchFamily="49" charset="0"/>
-              </a:rPr>
-              <a:t> [</a:t>
-            </a:r>
-            <a:r>
-              <a:rPr lang="de-DE" dirty="0">
-                <a:solidFill>
-                  <a:srgbClr val="B5CEA8"/>
-                </a:solidFill>
-                <a:latin typeface="Consolas" panose="020B0609020204030204" pitchFamily="49" charset="0"/>
-              </a:rPr>
-              <a:t>1800</a:t>
-            </a:r>
-            <a:r>
-              <a:rPr lang="de-DE" dirty="0">
-                <a:solidFill>
-                  <a:srgbClr val="000000"/>
-                </a:solidFill>
-                <a:latin typeface="Consolas" panose="020B0609020204030204" pitchFamily="49" charset="0"/>
-              </a:rPr>
-              <a:t>,</a:t>
-            </a:r>
-            <a:r>
-              <a:rPr lang="de-DE" dirty="0">
-                <a:solidFill>
-                  <a:srgbClr val="B5CEA8"/>
-                </a:solidFill>
-                <a:latin typeface="Consolas" panose="020B0609020204030204" pitchFamily="49" charset="0"/>
-              </a:rPr>
-              <a:t>140</a:t>
-            </a:r>
-            <a:r>
-              <a:rPr lang="de-DE" dirty="0">
-                <a:solidFill>
-                  <a:srgbClr val="000000"/>
-                </a:solidFill>
-                <a:latin typeface="Consolas" panose="020B0609020204030204" pitchFamily="49" charset="0"/>
-              </a:rPr>
-              <a:t>,</a:t>
-            </a:r>
-            <a:r>
-              <a:rPr lang="de-DE" dirty="0">
-                <a:solidFill>
-                  <a:srgbClr val="B5CEA8"/>
-                </a:solidFill>
-                <a:latin typeface="Consolas" panose="020B0609020204030204" pitchFamily="49" charset="0"/>
-              </a:rPr>
-              <a:t>4</a:t>
-            </a:r>
-            <a:r>
-              <a:rPr lang="de-DE" dirty="0">
-                <a:solidFill>
-                  <a:srgbClr val="000000"/>
-                </a:solidFill>
-                <a:latin typeface="Consolas" panose="020B0609020204030204" pitchFamily="49" charset="0"/>
-              </a:rPr>
-              <a:t>,</a:t>
-            </a:r>
-            <a:r>
-              <a:rPr lang="de-DE" dirty="0">
-                <a:solidFill>
-                  <a:srgbClr val="B5CEA8"/>
-                </a:solidFill>
-                <a:latin typeface="Consolas" panose="020B0609020204030204" pitchFamily="49" charset="0"/>
-              </a:rPr>
-              <a:t>1</a:t>
-            </a:r>
-            <a:r>
-              <a:rPr lang="de-DE" dirty="0">
-                <a:solidFill>
-                  <a:srgbClr val="000000"/>
-                </a:solidFill>
-                <a:latin typeface="Consolas" panose="020B0609020204030204" pitchFamily="49" charset="0"/>
-              </a:rPr>
-              <a:t>,</a:t>
-            </a:r>
-            <a:r>
-              <a:rPr lang="de-DE" dirty="0">
-                <a:solidFill>
-                  <a:srgbClr val="B5CEA8"/>
-                </a:solidFill>
-                <a:latin typeface="Consolas" panose="020B0609020204030204" pitchFamily="49" charset="0"/>
-              </a:rPr>
-              <a:t>1</a:t>
-            </a:r>
-            <a:r>
-              <a:rPr lang="de-DE" dirty="0">
-                <a:solidFill>
-                  <a:srgbClr val="000000"/>
-                </a:solidFill>
-                <a:latin typeface="Consolas" panose="020B0609020204030204" pitchFamily="49" charset="0"/>
-              </a:rPr>
-              <a:t>,</a:t>
-            </a:r>
-            <a:r>
-              <a:rPr lang="de-DE" dirty="0">
-                <a:solidFill>
-                  <a:srgbClr val="B5CEA8"/>
-                </a:solidFill>
-                <a:latin typeface="Consolas" panose="020B0609020204030204" pitchFamily="49" charset="0"/>
-              </a:rPr>
-              <a:t>4</a:t>
-            </a:r>
-            <a:r>
-              <a:rPr lang="de-DE" dirty="0">
-                <a:solidFill>
-                  <a:srgbClr val="000000"/>
-                </a:solidFill>
-                <a:latin typeface="Consolas" panose="020B0609020204030204" pitchFamily="49" charset="0"/>
-              </a:rPr>
-              <a:t>,</a:t>
-            </a:r>
-            <a:r>
-              <a:rPr lang="de-DE" dirty="0">
-                <a:solidFill>
-                  <a:srgbClr val="B5CEA8"/>
-                </a:solidFill>
-                <a:latin typeface="Consolas" panose="020B0609020204030204" pitchFamily="49" charset="0"/>
-              </a:rPr>
-              <a:t>1</a:t>
-            </a:r>
-            <a:r>
-              <a:rPr lang="de-DE" dirty="0">
-                <a:solidFill>
-                  <a:srgbClr val="000000"/>
-                </a:solidFill>
-                <a:latin typeface="Consolas" panose="020B0609020204030204" pitchFamily="49" charset="0"/>
-              </a:rPr>
-              <a:t>,</a:t>
-            </a:r>
-            <a:r>
-              <a:rPr lang="de-DE" dirty="0">
-                <a:solidFill>
-                  <a:srgbClr val="B5CEA8"/>
-                </a:solidFill>
-                <a:latin typeface="Consolas" panose="020B0609020204030204" pitchFamily="49" charset="0"/>
-              </a:rPr>
-              <a:t>2203</a:t>
-            </a:r>
-            <a:r>
-              <a:rPr lang="de-DE" dirty="0">
-                <a:solidFill>
-                  <a:srgbClr val="000000"/>
-                </a:solidFill>
-                <a:latin typeface="Consolas" panose="020B0609020204030204" pitchFamily="49" charset="0"/>
-              </a:rPr>
-              <a:t>,</a:t>
-            </a:r>
-            <a:r>
-              <a:rPr lang="de-DE" dirty="0">
-                <a:solidFill>
-                  <a:srgbClr val="B5CEA8"/>
-                </a:solidFill>
-                <a:latin typeface="Consolas" panose="020B0609020204030204" pitchFamily="49" charset="0"/>
-              </a:rPr>
-              <a:t>2</a:t>
-            </a:r>
-            <a:r>
-              <a:rPr lang="de-DE" dirty="0">
-                <a:solidFill>
-                  <a:srgbClr val="000000"/>
-                </a:solidFill>
-                <a:latin typeface="Consolas" panose="020B0609020204030204" pitchFamily="49" charset="0"/>
-              </a:rPr>
-              <a:t>,</a:t>
-            </a:r>
-            <a:r>
-              <a:rPr lang="de-DE" dirty="0">
-                <a:solidFill>
-                  <a:srgbClr val="B5CEA8"/>
-                </a:solidFill>
-                <a:latin typeface="Consolas" panose="020B0609020204030204" pitchFamily="49" charset="0"/>
-              </a:rPr>
-              <a:t>4</a:t>
-            </a:r>
-            <a:r>
-              <a:rPr lang="de-DE" dirty="0">
-                <a:solidFill>
-                  <a:srgbClr val="000000"/>
-                </a:solidFill>
-                <a:latin typeface="Consolas" panose="020B0609020204030204" pitchFamily="49" charset="0"/>
-              </a:rPr>
-              <a:t>]</a:t>
-            </a:r>
-          </a:p>
-          <a:p>
-            <a:r>
-              <a:rPr lang="de-DE" dirty="0" err="1">
-                <a:solidFill>
-                  <a:srgbClr val="000000"/>
-                </a:solidFill>
-                <a:latin typeface="Consolas" panose="020B0609020204030204" pitchFamily="49" charset="0"/>
-              </a:rPr>
-              <a:t>renovation</a:t>
-            </a:r>
-            <a:r>
-              <a:rPr lang="de-DE" dirty="0">
-                <a:solidFill>
-                  <a:srgbClr val="000000"/>
-                </a:solidFill>
-                <a:latin typeface="Consolas" panose="020B0609020204030204" pitchFamily="49" charset="0"/>
-              </a:rPr>
-              <a:t> </a:t>
-            </a:r>
-            <a:r>
-              <a:rPr lang="de-DE" dirty="0">
-                <a:solidFill>
-                  <a:srgbClr val="D4D4D4"/>
-                </a:solidFill>
-                <a:latin typeface="Consolas" panose="020B0609020204030204" pitchFamily="49" charset="0"/>
-              </a:rPr>
-              <a:t>=</a:t>
-            </a:r>
-            <a:r>
-              <a:rPr lang="de-DE" dirty="0">
-                <a:solidFill>
-                  <a:srgbClr val="000000"/>
-                </a:solidFill>
-                <a:latin typeface="Consolas" panose="020B0609020204030204" pitchFamily="49" charset="0"/>
-              </a:rPr>
-              <a:t>  {</a:t>
-            </a:r>
-            <a:r>
-              <a:rPr lang="de-DE" dirty="0">
-                <a:solidFill>
-                  <a:srgbClr val="CE9178"/>
-                </a:solidFill>
-                <a:latin typeface="Consolas" panose="020B0609020204030204" pitchFamily="49" charset="0"/>
-              </a:rPr>
-              <a:t>"Küche"</a:t>
-            </a:r>
-            <a:r>
-              <a:rPr lang="de-DE" dirty="0">
-                <a:solidFill>
-                  <a:srgbClr val="000000"/>
-                </a:solidFill>
-                <a:latin typeface="Consolas" panose="020B0609020204030204" pitchFamily="49" charset="0"/>
-              </a:rPr>
-              <a:t>: </a:t>
-            </a:r>
-            <a:r>
-              <a:rPr lang="de-DE" dirty="0">
-                <a:solidFill>
-                  <a:srgbClr val="B5CEA8"/>
-                </a:solidFill>
-                <a:latin typeface="Consolas" panose="020B0609020204030204" pitchFamily="49" charset="0"/>
-              </a:rPr>
-              <a:t>4</a:t>
-            </a:r>
-            <a:r>
-              <a:rPr lang="de-DE" dirty="0">
-                <a:solidFill>
-                  <a:srgbClr val="000000"/>
-                </a:solidFill>
-                <a:latin typeface="Consolas" panose="020B0609020204030204" pitchFamily="49" charset="0"/>
-              </a:rPr>
-              <a:t>}</a:t>
-            </a:r>
-          </a:p>
-          <a:p>
-            <a:r>
-              <a:rPr lang="de-DE" dirty="0" err="1">
-                <a:solidFill>
-                  <a:srgbClr val="000000"/>
-                </a:solidFill>
-                <a:latin typeface="Consolas" panose="020B0609020204030204" pitchFamily="49" charset="0"/>
-              </a:rPr>
-              <a:t>mpredict</a:t>
-            </a:r>
-            <a:r>
-              <a:rPr lang="de-DE" dirty="0">
-                <a:solidFill>
-                  <a:srgbClr val="000000"/>
-                </a:solidFill>
-                <a:latin typeface="Consolas" panose="020B0609020204030204" pitchFamily="49" charset="0"/>
-              </a:rPr>
-              <a:t>(daten, </a:t>
-            </a:r>
-            <a:r>
-              <a:rPr lang="de-DE" dirty="0" err="1">
-                <a:solidFill>
-                  <a:srgbClr val="000000"/>
-                </a:solidFill>
-                <a:latin typeface="Consolas" panose="020B0609020204030204" pitchFamily="49" charset="0"/>
-              </a:rPr>
-              <a:t>renovation</a:t>
-            </a:r>
-            <a:r>
-              <a:rPr lang="de-DE" dirty="0">
-                <a:solidFill>
-                  <a:srgbClr val="000000"/>
-                </a:solidFill>
-                <a:latin typeface="Consolas" panose="020B0609020204030204" pitchFamily="49" charset="0"/>
-              </a:rPr>
-              <a:t>)</a:t>
-            </a:r>
-          </a:p>
-          <a:p>
-            <a:endParaRPr lang="de-DE" b="0" dirty="0">
-              <a:solidFill>
-                <a:srgbClr val="000000"/>
-              </a:solidFill>
-              <a:effectLst/>
-              <a:latin typeface="Consolas" panose="020B0609020204030204" pitchFamily="49" charset="0"/>
-            </a:endParaRPr>
-          </a:p>
-          <a:p>
-            <a:r>
-              <a:rPr lang="de-DE" dirty="0"/>
-              <a:t>Vorhergesagter Preis: 297629 </a:t>
-            </a:r>
-            <a:r>
-              <a:rPr lang="de-DE" spc="-1" dirty="0">
-                <a:solidFill>
-                  <a:srgbClr val="000000"/>
-                </a:solidFill>
-              </a:rPr>
-              <a:t>GC Dollar</a:t>
-            </a:r>
-            <a:endParaRPr lang="de-DE" spc="-1" dirty="0"/>
-          </a:p>
-          <a:p>
-            <a:r>
-              <a:rPr lang="de-DE" dirty="0"/>
-              <a:t>Vorhergesagter Wert nach Renovation: 395498 GC Dollar, Differenz: 97869 GC Dollar</a:t>
-            </a:r>
-            <a:endParaRPr lang="de-DE" b="0" dirty="0">
-              <a:solidFill>
-                <a:srgbClr val="000000"/>
-              </a:solidFill>
-              <a:effectLst/>
-            </a:endParaRPr>
           </a:p>
         </p:txBody>
       </p:sp>
     </p:spTree>
     <p:extLst>
       <p:ext uri="{BB962C8B-B14F-4D97-AF65-F5344CB8AC3E}">
-        <p14:creationId xmlns:p14="http://schemas.microsoft.com/office/powerpoint/2010/main" val="2590400825"/>
+        <p14:creationId xmlns:p14="http://schemas.microsoft.com/office/powerpoint/2010/main" val="1021489422"/>
       </p:ext>
     </p:extLst>
   </p:cSld>
@@ -7801,46 +7453,65 @@
           <a:chExt cx="0" cy="0"/>
         </a:xfrm>
       </p:grpSpPr>
-      <p:pic>
-        <p:nvPicPr>
-          <p:cNvPr id="8" name="Inhaltsplatzhalter 7" descr="Ein Bild, das Text enthält.&#10;&#10;Automatisch generierte Beschreibung">
+      <p:sp>
+        <p:nvSpPr>
+          <p:cNvPr id="2" name="Titel 1">
             <a:extLst>
               <a:ext uri="{FF2B5EF4-FFF2-40B4-BE49-F238E27FC236}">
-                <a16:creationId xmlns:a16="http://schemas.microsoft.com/office/drawing/2014/main" id="{BA01915A-840A-45D3-A03F-49704A61B38D}"/>
+                <a16:creationId xmlns:a16="http://schemas.microsoft.com/office/drawing/2014/main" id="{74338AA6-1D8E-454A-94C2-A798BB24A736}"/>
               </a:ext>
             </a:extLst>
           </p:cNvPr>
-          <p:cNvPicPr>
-            <a:picLocks noGrp="1" noChangeAspect="1"/>
-          </p:cNvPicPr>
-          <p:nvPr>
-            <p:ph type="pic" idx="1"/>
-          </p:nvPr>
-        </p:nvPicPr>
-        <p:blipFill rotWithShape="1">
-          <a:blip r:embed="rId2">
+          <p:cNvSpPr>
+            <a:spLocks noGrp="1"/>
+          </p:cNvSpPr>
+          <p:nvPr>
+            <p:ph type="title"/>
+          </p:nvPr>
+        </p:nvSpPr>
+        <p:spPr/>
+        <p:txBody>
+          <a:bodyPr/>
+          <a:lstStyle/>
+          <a:p>
+            <a:r>
+              <a:rPr lang="de-DE" dirty="0"/>
+              <a:t>Nutzung</a:t>
+            </a:r>
+          </a:p>
+        </p:txBody>
+      </p:sp>
+      <p:sp>
+        <p:nvSpPr>
+          <p:cNvPr id="3" name="Inhaltsplatzhalter 2">
             <a:extLst>
-              <a:ext uri="{28A0092B-C50C-407E-A947-70E740481C1C}">
-                <a14:useLocalDpi xmlns:a14="http://schemas.microsoft.com/office/drawing/2010/main" val="0"/>
+              <a:ext uri="{FF2B5EF4-FFF2-40B4-BE49-F238E27FC236}">
+                <a16:creationId xmlns:a16="http://schemas.microsoft.com/office/drawing/2014/main" id="{D0302480-3059-4914-A8DB-A3DECF72D0D2}"/>
               </a:ext>
             </a:extLst>
-          </a:blip>
-          <a:stretch/>
-        </p:blipFill>
-        <p:spPr>
-          <a:xfrm>
-            <a:off x="228599" y="1264443"/>
-            <a:ext cx="7696201" cy="4329113"/>
-          </a:xfrm>
-          <a:noFill/>
-        </p:spPr>
-      </p:pic>
+          </p:cNvPr>
+          <p:cNvSpPr>
+            <a:spLocks noGrp="1"/>
+          </p:cNvSpPr>
+          <p:nvPr>
+            <p:ph idx="1"/>
+          </p:nvPr>
+        </p:nvSpPr>
+        <p:spPr/>
+        <p:txBody>
+          <a:bodyPr/>
+          <a:lstStyle/>
+          <a:p>
+            <a:endParaRPr lang="de-DE" dirty="0"/>
+          </a:p>
+        </p:txBody>
+      </p:sp>
       <p:sp>
         <p:nvSpPr>
           <p:cNvPr id="4" name="Datumsplatzhalter 3">
             <a:extLst>
               <a:ext uri="{FF2B5EF4-FFF2-40B4-BE49-F238E27FC236}">
-                <a16:creationId xmlns:a16="http://schemas.microsoft.com/office/drawing/2014/main" id="{3CFFA8D1-1494-4F11-89B3-3D4AC4734D1E}"/>
+                <a16:creationId xmlns:a16="http://schemas.microsoft.com/office/drawing/2014/main" id="{89941E0D-C0AD-4E1B-B6EC-31753E357A88}"/>
               </a:ext>
             </a:extLst>
           </p:cNvPr>
@@ -7851,30 +7522,14 @@
             <p:ph type="dt" sz="half" idx="10"/>
           </p:nvPr>
         </p:nvSpPr>
-        <p:spPr>
-          <a:xfrm>
-            <a:off x="5662337" y="6035040"/>
-            <a:ext cx="2071963" cy="365760"/>
-          </a:xfrm>
-        </p:spPr>
-        <p:txBody>
-          <a:bodyPr anchor="b">
-            <a:normAutofit/>
-          </a:bodyPr>
+        <p:spPr/>
+        <p:txBody>
+          <a:bodyPr/>
           <a:lstStyle/>
           <a:p>
-            <a:pPr rtl="0">
-              <a:spcAft>
-                <a:spcPts val="600"/>
-              </a:spcAft>
-            </a:pPr>
+            <a:pPr rtl="0"/>
             <a:fld id="{F0441480-8949-4462-8E81-D7E26CBBDF2A}" type="datetime1">
               <a:rPr lang="de-DE" smtClean="0"/>
-              <a:pPr rtl="0">
-                <a:spcAft>
-                  <a:spcPts val="600"/>
-                </a:spcAft>
-              </a:pPr>
               <a:t>30.11.2020</a:t>
             </a:fld>
             <a:endParaRPr lang="en-US"/>
@@ -7886,7 +7541,7 @@
           <p:cNvPr id="5" name="Fußzeilenplatzhalter 4">
             <a:extLst>
               <a:ext uri="{FF2B5EF4-FFF2-40B4-BE49-F238E27FC236}">
-                <a16:creationId xmlns:a16="http://schemas.microsoft.com/office/drawing/2014/main" id="{E0CD84E8-8D5A-48B1-BDD8-17C5C446C5CF}"/>
+                <a16:creationId xmlns:a16="http://schemas.microsoft.com/office/drawing/2014/main" id="{4BD9B6FA-4AFE-496A-9DD2-3AB859CD3B8E}"/>
               </a:ext>
             </a:extLst>
           </p:cNvPr>
@@ -7897,23 +7552,12 @@
             <p:ph type="ftr" sz="quarter" idx="11"/>
           </p:nvPr>
         </p:nvSpPr>
-        <p:spPr>
-          <a:xfrm>
-            <a:off x="612648" y="6035040"/>
-            <a:ext cx="4588002" cy="365760"/>
-          </a:xfrm>
-        </p:spPr>
-        <p:txBody>
-          <a:bodyPr anchor="b">
-            <a:normAutofit/>
-          </a:bodyPr>
+        <p:spPr/>
+        <p:txBody>
+          <a:bodyPr/>
           <a:lstStyle/>
           <a:p>
-            <a:pPr algn="l" rtl="0">
-              <a:spcAft>
-                <a:spcPts val="600"/>
-              </a:spcAft>
-            </a:pPr>
+            <a:pPr rtl="0"/>
             <a:r>
               <a:rPr lang="en-US"/>
               <a:t>Mtr.-Nr. 7283191 &amp; 8810048</a:t>
@@ -7926,7 +7570,7 @@
           <p:cNvPr id="6" name="Foliennummernplatzhalter 5">
             <a:extLst>
               <a:ext uri="{FF2B5EF4-FFF2-40B4-BE49-F238E27FC236}">
-                <a16:creationId xmlns:a16="http://schemas.microsoft.com/office/drawing/2014/main" id="{467B2ADB-7461-4967-B05D-4AD4EA149197}"/>
+                <a16:creationId xmlns:a16="http://schemas.microsoft.com/office/drawing/2014/main" id="{CCC9B933-6F65-46F8-AFCB-796489446274}"/>
               </a:ext>
             </a:extLst>
           </p:cNvPr>
@@ -7937,30 +7581,14 @@
             <p:ph type="sldNum" sz="quarter" idx="12"/>
           </p:nvPr>
         </p:nvSpPr>
-        <p:spPr>
-          <a:xfrm>
-            <a:off x="10396728" y="6035040"/>
-            <a:ext cx="1225296" cy="365760"/>
-          </a:xfrm>
-        </p:spPr>
-        <p:txBody>
-          <a:bodyPr anchor="b">
-            <a:normAutofit/>
-          </a:bodyPr>
+        <p:spPr/>
+        <p:txBody>
+          <a:bodyPr/>
           <a:lstStyle/>
           <a:p>
-            <a:pPr rtl="0">
-              <a:spcAft>
-                <a:spcPts val="600"/>
-              </a:spcAft>
-            </a:pPr>
+            <a:pPr rtl="0"/>
             <a:fld id="{34B7E4EF-A1BD-40F4-AB7B-04F084DD991D}" type="slidenum">
               <a:rPr lang="en-US" smtClean="0"/>
-              <a:pPr rtl="0">
-                <a:spcAft>
-                  <a:spcPts val="600"/>
-                </a:spcAft>
-              </a:pPr>
               <a:t>8</a:t>
             </a:fld>
             <a:endParaRPr lang="en-US"/>
@@ -7969,73 +7597,427 @@
       </p:sp>
       <p:sp>
         <p:nvSpPr>
-          <p:cNvPr id="2" name="Titel 1">
+          <p:cNvPr id="7" name="Rechteck 6">
             <a:extLst>
               <a:ext uri="{FF2B5EF4-FFF2-40B4-BE49-F238E27FC236}">
-                <a16:creationId xmlns:a16="http://schemas.microsoft.com/office/drawing/2014/main" id="{A39B4587-005F-4C45-852E-1CCE19484C30}"/>
+                <a16:creationId xmlns:a16="http://schemas.microsoft.com/office/drawing/2014/main" id="{218D6F94-0697-45FB-8480-28A0CE13C95F}"/>
               </a:ext>
             </a:extLst>
           </p:cNvPr>
-          <p:cNvSpPr>
-            <a:spLocks noGrp="1"/>
-          </p:cNvSpPr>
-          <p:nvPr>
-            <p:ph type="title"/>
-          </p:nvPr>
-        </p:nvSpPr>
-        <p:spPr>
-          <a:xfrm>
-            <a:off x="8477250" y="603504"/>
-            <a:ext cx="3187212" cy="1645920"/>
-          </a:xfrm>
-        </p:spPr>
-        <p:txBody>
-          <a:bodyPr anchor="b">
-            <a:normAutofit/>
+          <p:cNvSpPr/>
+          <p:nvPr/>
+        </p:nvSpPr>
+        <p:spPr>
+          <a:xfrm>
+            <a:off x="1175657" y="2413338"/>
+            <a:ext cx="9866812" cy="3416320"/>
+          </a:xfrm>
+          <a:prstGeom prst="rect">
+            <a:avLst/>
+          </a:prstGeom>
+        </p:spPr>
+        <p:txBody>
+          <a:bodyPr wrap="square">
+            <a:spAutoFit/>
           </a:bodyPr>
           <a:lstStyle/>
           <a:p>
             <a:r>
+              <a:rPr lang="de-DE" dirty="0">
+                <a:solidFill>
+                  <a:srgbClr val="6A9955"/>
+                </a:solidFill>
+                <a:latin typeface="Consolas" panose="020B0609020204030204" pitchFamily="49" charset="0"/>
+              </a:rPr>
+              <a:t>Grundstück in Qm, Wohnfläche in Qm, Zustand, Küche, Klimaanlage, Gebaut, Garagenkapazität, Heizungsqualität, Räume</a:t>
+            </a:r>
+          </a:p>
+          <a:p>
+            <a:endParaRPr lang="de-DE" dirty="0">
+              <a:solidFill>
+                <a:srgbClr val="000000"/>
+              </a:solidFill>
+              <a:latin typeface="Consolas" panose="020B0609020204030204" pitchFamily="49" charset="0"/>
+            </a:endParaRPr>
+          </a:p>
+          <a:p>
+            <a:endParaRPr lang="de-DE" dirty="0">
+              <a:solidFill>
+                <a:srgbClr val="000000"/>
+              </a:solidFill>
+              <a:latin typeface="Consolas" panose="020B0609020204030204" pitchFamily="49" charset="0"/>
+            </a:endParaRPr>
+          </a:p>
+          <a:p>
+            <a:r>
+              <a:rPr lang="de-DE" dirty="0">
+                <a:solidFill>
+                  <a:srgbClr val="6A9955"/>
+                </a:solidFill>
+                <a:latin typeface="Consolas" panose="020B0609020204030204" pitchFamily="49" charset="0"/>
+              </a:rPr>
+              <a:t>Ist-Preis vs. Preis nach Renovation</a:t>
+            </a:r>
+            <a:endParaRPr lang="de-DE" dirty="0">
+              <a:solidFill>
+                <a:srgbClr val="000000"/>
+              </a:solidFill>
+              <a:latin typeface="Consolas" panose="020B0609020204030204" pitchFamily="49" charset="0"/>
+            </a:endParaRPr>
+          </a:p>
+          <a:p>
+            <a:endParaRPr lang="de-DE" dirty="0">
+              <a:solidFill>
+                <a:srgbClr val="000000"/>
+              </a:solidFill>
+              <a:latin typeface="Consolas" panose="020B0609020204030204" pitchFamily="49" charset="0"/>
+            </a:endParaRPr>
+          </a:p>
+          <a:p>
+            <a:r>
+              <a:rPr lang="de-DE" dirty="0">
+                <a:solidFill>
+                  <a:srgbClr val="000000"/>
+                </a:solidFill>
+                <a:latin typeface="Consolas" panose="020B0609020204030204" pitchFamily="49" charset="0"/>
+              </a:rPr>
+              <a:t>daten </a:t>
+            </a:r>
+            <a:r>
+              <a:rPr lang="de-DE" dirty="0">
+                <a:solidFill>
+                  <a:srgbClr val="D4D4D4"/>
+                </a:solidFill>
+                <a:latin typeface="Consolas" panose="020B0609020204030204" pitchFamily="49" charset="0"/>
+              </a:rPr>
+              <a:t>=</a:t>
+            </a:r>
+            <a:r>
+              <a:rPr lang="de-DE" dirty="0">
+                <a:solidFill>
+                  <a:srgbClr val="000000"/>
+                </a:solidFill>
+                <a:latin typeface="Consolas" panose="020B0609020204030204" pitchFamily="49" charset="0"/>
+              </a:rPr>
+              <a:t> [</a:t>
+            </a:r>
+            <a:r>
+              <a:rPr lang="de-DE" dirty="0">
+                <a:solidFill>
+                  <a:srgbClr val="B5CEA8"/>
+                </a:solidFill>
+                <a:latin typeface="Consolas" panose="020B0609020204030204" pitchFamily="49" charset="0"/>
+              </a:rPr>
+              <a:t>1800</a:t>
+            </a:r>
+            <a:r>
+              <a:rPr lang="de-DE" dirty="0">
+                <a:solidFill>
+                  <a:srgbClr val="000000"/>
+                </a:solidFill>
+                <a:latin typeface="Consolas" panose="020B0609020204030204" pitchFamily="49" charset="0"/>
+              </a:rPr>
+              <a:t>,</a:t>
+            </a:r>
+            <a:r>
+              <a:rPr lang="de-DE" dirty="0">
+                <a:solidFill>
+                  <a:srgbClr val="B5CEA8"/>
+                </a:solidFill>
+                <a:latin typeface="Consolas" panose="020B0609020204030204" pitchFamily="49" charset="0"/>
+              </a:rPr>
+              <a:t>140</a:t>
+            </a:r>
+            <a:r>
+              <a:rPr lang="de-DE" dirty="0">
+                <a:solidFill>
+                  <a:srgbClr val="000000"/>
+                </a:solidFill>
+                <a:latin typeface="Consolas" panose="020B0609020204030204" pitchFamily="49" charset="0"/>
+              </a:rPr>
+              <a:t>,</a:t>
+            </a:r>
+            <a:r>
+              <a:rPr lang="de-DE" dirty="0">
+                <a:solidFill>
+                  <a:srgbClr val="B5CEA8"/>
+                </a:solidFill>
+                <a:latin typeface="Consolas" panose="020B0609020204030204" pitchFamily="49" charset="0"/>
+              </a:rPr>
+              <a:t>4</a:t>
+            </a:r>
+            <a:r>
+              <a:rPr lang="de-DE" dirty="0">
+                <a:solidFill>
+                  <a:srgbClr val="000000"/>
+                </a:solidFill>
+                <a:latin typeface="Consolas" panose="020B0609020204030204" pitchFamily="49" charset="0"/>
+              </a:rPr>
+              <a:t>,</a:t>
+            </a:r>
+            <a:r>
+              <a:rPr lang="de-DE" dirty="0">
+                <a:solidFill>
+                  <a:srgbClr val="B5CEA8"/>
+                </a:solidFill>
+                <a:latin typeface="Consolas" panose="020B0609020204030204" pitchFamily="49" charset="0"/>
+              </a:rPr>
+              <a:t>1</a:t>
+            </a:r>
+            <a:r>
+              <a:rPr lang="de-DE" dirty="0">
+                <a:solidFill>
+                  <a:srgbClr val="000000"/>
+                </a:solidFill>
+                <a:latin typeface="Consolas" panose="020B0609020204030204" pitchFamily="49" charset="0"/>
+              </a:rPr>
+              <a:t>,</a:t>
+            </a:r>
+            <a:r>
+              <a:rPr lang="de-DE" dirty="0">
+                <a:solidFill>
+                  <a:srgbClr val="B5CEA8"/>
+                </a:solidFill>
+                <a:latin typeface="Consolas" panose="020B0609020204030204" pitchFamily="49" charset="0"/>
+              </a:rPr>
+              <a:t>1</a:t>
+            </a:r>
+            <a:r>
+              <a:rPr lang="de-DE" dirty="0">
+                <a:solidFill>
+                  <a:srgbClr val="000000"/>
+                </a:solidFill>
+                <a:latin typeface="Consolas" panose="020B0609020204030204" pitchFamily="49" charset="0"/>
+              </a:rPr>
+              <a:t>,</a:t>
+            </a:r>
+            <a:r>
+              <a:rPr lang="de-DE" dirty="0">
+                <a:solidFill>
+                  <a:srgbClr val="B5CEA8"/>
+                </a:solidFill>
+                <a:latin typeface="Consolas" panose="020B0609020204030204" pitchFamily="49" charset="0"/>
+              </a:rPr>
+              <a:t>4</a:t>
+            </a:r>
+            <a:r>
+              <a:rPr lang="de-DE" dirty="0">
+                <a:solidFill>
+                  <a:srgbClr val="000000"/>
+                </a:solidFill>
+                <a:latin typeface="Consolas" panose="020B0609020204030204" pitchFamily="49" charset="0"/>
+              </a:rPr>
+              <a:t>,</a:t>
+            </a:r>
+            <a:r>
+              <a:rPr lang="de-DE" dirty="0">
+                <a:solidFill>
+                  <a:srgbClr val="B5CEA8"/>
+                </a:solidFill>
+                <a:latin typeface="Consolas" panose="020B0609020204030204" pitchFamily="49" charset="0"/>
+              </a:rPr>
+              <a:t>1</a:t>
+            </a:r>
+            <a:r>
+              <a:rPr lang="de-DE" dirty="0">
+                <a:solidFill>
+                  <a:srgbClr val="000000"/>
+                </a:solidFill>
+                <a:latin typeface="Consolas" panose="020B0609020204030204" pitchFamily="49" charset="0"/>
+              </a:rPr>
+              <a:t>,</a:t>
+            </a:r>
+            <a:r>
+              <a:rPr lang="de-DE" dirty="0">
+                <a:solidFill>
+                  <a:srgbClr val="B5CEA8"/>
+                </a:solidFill>
+                <a:latin typeface="Consolas" panose="020B0609020204030204" pitchFamily="49" charset="0"/>
+              </a:rPr>
+              <a:t>2203</a:t>
+            </a:r>
+            <a:r>
+              <a:rPr lang="de-DE" dirty="0">
+                <a:solidFill>
+                  <a:srgbClr val="000000"/>
+                </a:solidFill>
+                <a:latin typeface="Consolas" panose="020B0609020204030204" pitchFamily="49" charset="0"/>
+              </a:rPr>
+              <a:t>,</a:t>
+            </a:r>
+            <a:r>
+              <a:rPr lang="de-DE" dirty="0">
+                <a:solidFill>
+                  <a:srgbClr val="B5CEA8"/>
+                </a:solidFill>
+                <a:latin typeface="Consolas" panose="020B0609020204030204" pitchFamily="49" charset="0"/>
+              </a:rPr>
+              <a:t>4</a:t>
+            </a:r>
+            <a:r>
+              <a:rPr lang="de-DE" dirty="0">
+                <a:solidFill>
+                  <a:srgbClr val="000000"/>
+                </a:solidFill>
+                <a:latin typeface="Consolas" panose="020B0609020204030204" pitchFamily="49" charset="0"/>
+              </a:rPr>
+              <a:t>]</a:t>
+            </a:r>
+          </a:p>
+          <a:p>
+            <a:r>
+              <a:rPr lang="de-DE" dirty="0" err="1">
+                <a:solidFill>
+                  <a:srgbClr val="000000"/>
+                </a:solidFill>
+                <a:latin typeface="Consolas" panose="020B0609020204030204" pitchFamily="49" charset="0"/>
+              </a:rPr>
+              <a:t>renovation</a:t>
+            </a:r>
+            <a:r>
+              <a:rPr lang="de-DE" dirty="0">
+                <a:solidFill>
+                  <a:srgbClr val="000000"/>
+                </a:solidFill>
+                <a:latin typeface="Consolas" panose="020B0609020204030204" pitchFamily="49" charset="0"/>
+              </a:rPr>
+              <a:t> </a:t>
+            </a:r>
+            <a:r>
+              <a:rPr lang="de-DE" dirty="0">
+                <a:solidFill>
+                  <a:srgbClr val="D4D4D4"/>
+                </a:solidFill>
+                <a:latin typeface="Consolas" panose="020B0609020204030204" pitchFamily="49" charset="0"/>
+              </a:rPr>
+              <a:t>=</a:t>
+            </a:r>
+            <a:r>
+              <a:rPr lang="de-DE" dirty="0">
+                <a:solidFill>
+                  <a:srgbClr val="000000"/>
+                </a:solidFill>
+                <a:latin typeface="Consolas" panose="020B0609020204030204" pitchFamily="49" charset="0"/>
+              </a:rPr>
+              <a:t>  {</a:t>
+            </a:r>
+            <a:r>
+              <a:rPr lang="de-DE" dirty="0">
+                <a:solidFill>
+                  <a:srgbClr val="CE9178"/>
+                </a:solidFill>
+                <a:latin typeface="Consolas" panose="020B0609020204030204" pitchFamily="49" charset="0"/>
+              </a:rPr>
+              <a:t>"Küche"</a:t>
+            </a:r>
+            <a:r>
+              <a:rPr lang="de-DE" dirty="0">
+                <a:solidFill>
+                  <a:srgbClr val="000000"/>
+                </a:solidFill>
+                <a:latin typeface="Consolas" panose="020B0609020204030204" pitchFamily="49" charset="0"/>
+              </a:rPr>
+              <a:t>: </a:t>
+            </a:r>
+            <a:r>
+              <a:rPr lang="de-DE" dirty="0">
+                <a:solidFill>
+                  <a:srgbClr val="B5CEA8"/>
+                </a:solidFill>
+                <a:latin typeface="Consolas" panose="020B0609020204030204" pitchFamily="49" charset="0"/>
+              </a:rPr>
+              <a:t>4</a:t>
+            </a:r>
+            <a:r>
+              <a:rPr lang="de-DE" dirty="0">
+                <a:solidFill>
+                  <a:srgbClr val="000000"/>
+                </a:solidFill>
+                <a:latin typeface="Consolas" panose="020B0609020204030204" pitchFamily="49" charset="0"/>
+              </a:rPr>
+              <a:t>}</a:t>
+            </a:r>
+          </a:p>
+          <a:p>
+            <a:r>
+              <a:rPr lang="de-DE" dirty="0" err="1">
+                <a:solidFill>
+                  <a:srgbClr val="000000"/>
+                </a:solidFill>
+                <a:latin typeface="Consolas" panose="020B0609020204030204" pitchFamily="49" charset="0"/>
+              </a:rPr>
+              <a:t>mpredict</a:t>
+            </a:r>
+            <a:r>
+              <a:rPr lang="de-DE" dirty="0">
+                <a:solidFill>
+                  <a:srgbClr val="000000"/>
+                </a:solidFill>
+                <a:latin typeface="Consolas" panose="020B0609020204030204" pitchFamily="49" charset="0"/>
+              </a:rPr>
+              <a:t>(daten, </a:t>
+            </a:r>
+            <a:r>
+              <a:rPr lang="de-DE" dirty="0" err="1">
+                <a:solidFill>
+                  <a:srgbClr val="000000"/>
+                </a:solidFill>
+                <a:latin typeface="Consolas" panose="020B0609020204030204" pitchFamily="49" charset="0"/>
+              </a:rPr>
+              <a:t>renovation</a:t>
+            </a:r>
+            <a:r>
+              <a:rPr lang="de-DE" dirty="0">
+                <a:solidFill>
+                  <a:srgbClr val="000000"/>
+                </a:solidFill>
+                <a:latin typeface="Consolas" panose="020B0609020204030204" pitchFamily="49" charset="0"/>
+              </a:rPr>
+              <a:t>)</a:t>
+            </a:r>
+          </a:p>
+          <a:p>
+            <a:endParaRPr lang="de-DE" b="0" dirty="0">
+              <a:solidFill>
+                <a:srgbClr val="000000"/>
+              </a:solidFill>
+              <a:effectLst/>
+              <a:latin typeface="Consolas" panose="020B0609020204030204" pitchFamily="49" charset="0"/>
+            </a:endParaRPr>
+          </a:p>
+          <a:p>
+            <a:r>
               <a:rPr lang="de-DE" dirty="0"/>
-              <a:t>Vielen Dank für die Aufmerksamkeit</a:t>
-            </a:r>
-          </a:p>
-        </p:txBody>
-      </p:sp>
-      <p:sp>
-        <p:nvSpPr>
-          <p:cNvPr id="13" name="Text Placeholder 6">
-            <a:extLst>
-              <a:ext uri="{FF2B5EF4-FFF2-40B4-BE49-F238E27FC236}">
-                <a16:creationId xmlns:a16="http://schemas.microsoft.com/office/drawing/2014/main" id="{C2D366FB-D280-4013-B680-52D6AEE56A08}"/>
-              </a:ext>
-            </a:extLst>
-          </p:cNvPr>
-          <p:cNvSpPr>
-            <a:spLocks noGrp="1"/>
-          </p:cNvSpPr>
-          <p:nvPr>
-            <p:ph type="body" sz="half" idx="2"/>
-          </p:nvPr>
-        </p:nvSpPr>
-        <p:spPr>
-          <a:xfrm>
-            <a:off x="8477250" y="2386584"/>
-            <a:ext cx="3144774" cy="3511296"/>
-          </a:xfrm>
-        </p:spPr>
-        <p:txBody>
-          <a:bodyPr/>
-          <a:lstStyle/>
-          <a:p>
-            <a:endParaRPr lang="en-US"/>
+              <a:t>Vorhergesagter Preis: 297629 </a:t>
+            </a:r>
+            <a:r>
+              <a:rPr lang="de-DE" spc="-1" dirty="0">
+                <a:solidFill>
+                  <a:srgbClr val="000000"/>
+                </a:solidFill>
+              </a:rPr>
+              <a:t>GC Dollar</a:t>
+            </a:r>
+            <a:endParaRPr lang="de-DE" spc="-1" dirty="0"/>
+          </a:p>
+          <a:p>
+            <a:r>
+              <a:rPr lang="de-DE" dirty="0"/>
+              <a:t>Vorhergesagter Wert nach Renovation: 395498 GC Dollar, Differenz: 97869 GC Dollar</a:t>
+            </a:r>
+            <a:endParaRPr lang="de-DE" b="0" dirty="0">
+              <a:solidFill>
+                <a:srgbClr val="000000"/>
+              </a:solidFill>
+              <a:effectLst/>
+            </a:endParaRPr>
           </a:p>
         </p:txBody>
       </p:sp>
     </p:spTree>
     <p:extLst>
       <p:ext uri="{BB962C8B-B14F-4D97-AF65-F5344CB8AC3E}">
-        <p14:creationId xmlns:p14="http://schemas.microsoft.com/office/powerpoint/2010/main" val="1021489422"/>
+        <p14:creationId xmlns:p14="http://schemas.microsoft.com/office/powerpoint/2010/main" val="2590400825"/>
       </p:ext>
     </p:extLst>
   </p:cSld>

--- a/Prognose von Immobilienpreisen.pptx
+++ b/Prognose von Immobilienpreisen.pptx
@@ -6293,13 +6293,13 @@
           <a:p>
             <a:r>
               <a:rPr lang="de-DE" dirty="0"/>
+              <a:t>Qualitätskriterien haben kaum Korrelation</a:t>
+            </a:r>
+          </a:p>
+          <a:p>
+            <a:r>
+              <a:rPr lang="de-DE" dirty="0"/>
               <a:t>Bei Verbesserung der Küchenqualität steigt der Wert am deutlichsten</a:t>
-            </a:r>
-          </a:p>
-          <a:p>
-            <a:r>
-              <a:rPr lang="de-DE" dirty="0"/>
-              <a:t>Qualitätskriterien haben kaum Korrelation</a:t>
             </a:r>
           </a:p>
           <a:p>
